--- a/5조_PPT/문은서.pptx
+++ b/5조_PPT/문은서.pptx
@@ -7,6 +7,9 @@
   <p:sldIdLst>
     <p:sldId id="256" r:id="rId2"/>
     <p:sldId id="257" r:id="rId3"/>
+    <p:sldId id="258" r:id="rId4"/>
+    <p:sldId id="259" r:id="rId5"/>
+    <p:sldId id="260" r:id="rId6"/>
   </p:sldIdLst>
   <p:sldSz cx="12192000" cy="6858000"/>
   <p:notesSz cx="6858000" cy="9144000"/>
@@ -107,7 +110,7 @@
   </p:defaultTextStyle>
   <p:extLst>
     <p:ext uri="{EFAFB233-063F-42B5-8137-9DF3F51BA10A}">
-      <p15:sldGuideLst xmlns:p15="http://schemas.microsoft.com/office/powerpoint/2012/main">
+      <p15:sldGuideLst xmlns:p15="http://schemas.microsoft.com/office/powerpoint/2012/main" xmlns="">
         <p15:guide id="1" orient="horz" pos="2160" userDrawn="1">
           <p15:clr>
             <a:srgbClr val="A4A3A4"/>
@@ -146,7 +149,7 @@
           <p:cNvPr id="2" name="제목 1">
             <a:extLst>
               <a:ext uri="{FF2B5EF4-FFF2-40B4-BE49-F238E27FC236}">
-                <a16:creationId xmlns:a16="http://schemas.microsoft.com/office/drawing/2014/main" id="{F1890983-BFC0-4B89-8AC5-921A0C916E4B}"/>
+                <a16:creationId xmlns:a16="http://schemas.microsoft.com/office/drawing/2014/main" xmlns="" id="{F1890983-BFC0-4B89-8AC5-921A0C916E4B}"/>
               </a:ext>
             </a:extLst>
           </p:cNvPr>
@@ -183,7 +186,7 @@
           <p:cNvPr id="3" name="부제목 2">
             <a:extLst>
               <a:ext uri="{FF2B5EF4-FFF2-40B4-BE49-F238E27FC236}">
-                <a16:creationId xmlns:a16="http://schemas.microsoft.com/office/drawing/2014/main" id="{2F7EEB54-26EB-4BA8-B93C-81A25436C66E}"/>
+                <a16:creationId xmlns:a16="http://schemas.microsoft.com/office/drawing/2014/main" xmlns="" id="{2F7EEB54-26EB-4BA8-B93C-81A25436C66E}"/>
               </a:ext>
             </a:extLst>
           </p:cNvPr>
@@ -253,7 +256,7 @@
           <p:cNvPr id="4" name="날짜 개체 틀 3">
             <a:extLst>
               <a:ext uri="{FF2B5EF4-FFF2-40B4-BE49-F238E27FC236}">
-                <a16:creationId xmlns:a16="http://schemas.microsoft.com/office/drawing/2014/main" id="{A0B28A1D-62F6-43B7-87AA-05920E80CD7F}"/>
+                <a16:creationId xmlns:a16="http://schemas.microsoft.com/office/drawing/2014/main" xmlns="" id="{A0B28A1D-62F6-43B7-87AA-05920E80CD7F}"/>
               </a:ext>
             </a:extLst>
           </p:cNvPr>
@@ -271,7 +274,7 @@
           <a:p>
             <a:fld id="{91A9B97E-F6D3-4E3E-94ED-797507699067}" type="datetimeFigureOut">
               <a:rPr lang="ko-KR" altLang="en-US" smtClean="0"/>
-              <a:t>2019-03-30</a:t>
+              <a:t>2019-04-02</a:t>
             </a:fld>
             <a:endParaRPr lang="ko-KR" altLang="en-US"/>
           </a:p>
@@ -282,7 +285,7 @@
           <p:cNvPr id="5" name="바닥글 개체 틀 4">
             <a:extLst>
               <a:ext uri="{FF2B5EF4-FFF2-40B4-BE49-F238E27FC236}">
-                <a16:creationId xmlns:a16="http://schemas.microsoft.com/office/drawing/2014/main" id="{2CE9309F-0147-44E0-9EA1-0A1FE1A12254}"/>
+                <a16:creationId xmlns:a16="http://schemas.microsoft.com/office/drawing/2014/main" xmlns="" id="{2CE9309F-0147-44E0-9EA1-0A1FE1A12254}"/>
               </a:ext>
             </a:extLst>
           </p:cNvPr>
@@ -307,7 +310,7 @@
           <p:cNvPr id="6" name="슬라이드 번호 개체 틀 5">
             <a:extLst>
               <a:ext uri="{FF2B5EF4-FFF2-40B4-BE49-F238E27FC236}">
-                <a16:creationId xmlns:a16="http://schemas.microsoft.com/office/drawing/2014/main" id="{667BF43F-48EE-493D-AB15-45A09CE77D4E}"/>
+                <a16:creationId xmlns:a16="http://schemas.microsoft.com/office/drawing/2014/main" xmlns="" id="{667BF43F-48EE-493D-AB15-45A09CE77D4E}"/>
               </a:ext>
             </a:extLst>
           </p:cNvPr>
@@ -366,7 +369,7 @@
           <p:cNvPr id="2" name="제목 1">
             <a:extLst>
               <a:ext uri="{FF2B5EF4-FFF2-40B4-BE49-F238E27FC236}">
-                <a16:creationId xmlns:a16="http://schemas.microsoft.com/office/drawing/2014/main" id="{BDCB3DA1-4FD4-43E7-9C48-25E84AC6F0DE}"/>
+                <a16:creationId xmlns:a16="http://schemas.microsoft.com/office/drawing/2014/main" xmlns="" id="{BDCB3DA1-4FD4-43E7-9C48-25E84AC6F0DE}"/>
               </a:ext>
             </a:extLst>
           </p:cNvPr>
@@ -394,7 +397,7 @@
           <p:cNvPr id="3" name="세로 텍스트 개체 틀 2">
             <a:extLst>
               <a:ext uri="{FF2B5EF4-FFF2-40B4-BE49-F238E27FC236}">
-                <a16:creationId xmlns:a16="http://schemas.microsoft.com/office/drawing/2014/main" id="{064220FE-5B7C-40F7-80AA-853547719891}"/>
+                <a16:creationId xmlns:a16="http://schemas.microsoft.com/office/drawing/2014/main" xmlns="" id="{064220FE-5B7C-40F7-80AA-853547719891}"/>
               </a:ext>
             </a:extLst>
           </p:cNvPr>
@@ -451,7 +454,7 @@
           <p:cNvPr id="4" name="날짜 개체 틀 3">
             <a:extLst>
               <a:ext uri="{FF2B5EF4-FFF2-40B4-BE49-F238E27FC236}">
-                <a16:creationId xmlns:a16="http://schemas.microsoft.com/office/drawing/2014/main" id="{907CAF59-760B-4208-89CC-39B4E0374891}"/>
+                <a16:creationId xmlns:a16="http://schemas.microsoft.com/office/drawing/2014/main" xmlns="" id="{907CAF59-760B-4208-89CC-39B4E0374891}"/>
               </a:ext>
             </a:extLst>
           </p:cNvPr>
@@ -469,7 +472,7 @@
           <a:p>
             <a:fld id="{91A9B97E-F6D3-4E3E-94ED-797507699067}" type="datetimeFigureOut">
               <a:rPr lang="ko-KR" altLang="en-US" smtClean="0"/>
-              <a:t>2019-03-30</a:t>
+              <a:t>2019-04-02</a:t>
             </a:fld>
             <a:endParaRPr lang="ko-KR" altLang="en-US"/>
           </a:p>
@@ -480,7 +483,7 @@
           <p:cNvPr id="5" name="바닥글 개체 틀 4">
             <a:extLst>
               <a:ext uri="{FF2B5EF4-FFF2-40B4-BE49-F238E27FC236}">
-                <a16:creationId xmlns:a16="http://schemas.microsoft.com/office/drawing/2014/main" id="{A1A1F848-1CCC-4DF2-9053-63DD45F0D8FE}"/>
+                <a16:creationId xmlns:a16="http://schemas.microsoft.com/office/drawing/2014/main" xmlns="" id="{A1A1F848-1CCC-4DF2-9053-63DD45F0D8FE}"/>
               </a:ext>
             </a:extLst>
           </p:cNvPr>
@@ -505,7 +508,7 @@
           <p:cNvPr id="6" name="슬라이드 번호 개체 틀 5">
             <a:extLst>
               <a:ext uri="{FF2B5EF4-FFF2-40B4-BE49-F238E27FC236}">
-                <a16:creationId xmlns:a16="http://schemas.microsoft.com/office/drawing/2014/main" id="{73008A51-6CE4-4C3E-97F7-B37C2629B216}"/>
+                <a16:creationId xmlns:a16="http://schemas.microsoft.com/office/drawing/2014/main" xmlns="" id="{73008A51-6CE4-4C3E-97F7-B37C2629B216}"/>
               </a:ext>
             </a:extLst>
           </p:cNvPr>
@@ -564,7 +567,7 @@
           <p:cNvPr id="2" name="세로 제목 1">
             <a:extLst>
               <a:ext uri="{FF2B5EF4-FFF2-40B4-BE49-F238E27FC236}">
-                <a16:creationId xmlns:a16="http://schemas.microsoft.com/office/drawing/2014/main" id="{2C777D95-9235-44DD-8F97-FF20682DAD5B}"/>
+                <a16:creationId xmlns:a16="http://schemas.microsoft.com/office/drawing/2014/main" xmlns="" id="{2C777D95-9235-44DD-8F97-FF20682DAD5B}"/>
               </a:ext>
             </a:extLst>
           </p:cNvPr>
@@ -597,7 +600,7 @@
           <p:cNvPr id="3" name="세로 텍스트 개체 틀 2">
             <a:extLst>
               <a:ext uri="{FF2B5EF4-FFF2-40B4-BE49-F238E27FC236}">
-                <a16:creationId xmlns:a16="http://schemas.microsoft.com/office/drawing/2014/main" id="{B8E613DF-1FD8-4204-BD8E-4AF71296948E}"/>
+                <a16:creationId xmlns:a16="http://schemas.microsoft.com/office/drawing/2014/main" xmlns="" id="{B8E613DF-1FD8-4204-BD8E-4AF71296948E}"/>
               </a:ext>
             </a:extLst>
           </p:cNvPr>
@@ -659,7 +662,7 @@
           <p:cNvPr id="4" name="날짜 개체 틀 3">
             <a:extLst>
               <a:ext uri="{FF2B5EF4-FFF2-40B4-BE49-F238E27FC236}">
-                <a16:creationId xmlns:a16="http://schemas.microsoft.com/office/drawing/2014/main" id="{30CD065F-CD19-4781-AC67-9C108130A1AF}"/>
+                <a16:creationId xmlns:a16="http://schemas.microsoft.com/office/drawing/2014/main" xmlns="" id="{30CD065F-CD19-4781-AC67-9C108130A1AF}"/>
               </a:ext>
             </a:extLst>
           </p:cNvPr>
@@ -677,7 +680,7 @@
           <a:p>
             <a:fld id="{91A9B97E-F6D3-4E3E-94ED-797507699067}" type="datetimeFigureOut">
               <a:rPr lang="ko-KR" altLang="en-US" smtClean="0"/>
-              <a:t>2019-03-30</a:t>
+              <a:t>2019-04-02</a:t>
             </a:fld>
             <a:endParaRPr lang="ko-KR" altLang="en-US"/>
           </a:p>
@@ -688,7 +691,7 @@
           <p:cNvPr id="5" name="바닥글 개체 틀 4">
             <a:extLst>
               <a:ext uri="{FF2B5EF4-FFF2-40B4-BE49-F238E27FC236}">
-                <a16:creationId xmlns:a16="http://schemas.microsoft.com/office/drawing/2014/main" id="{1BBD2068-D764-48BC-9D51-6154C880CE72}"/>
+                <a16:creationId xmlns:a16="http://schemas.microsoft.com/office/drawing/2014/main" xmlns="" id="{1BBD2068-D764-48BC-9D51-6154C880CE72}"/>
               </a:ext>
             </a:extLst>
           </p:cNvPr>
@@ -713,7 +716,7 @@
           <p:cNvPr id="6" name="슬라이드 번호 개체 틀 5">
             <a:extLst>
               <a:ext uri="{FF2B5EF4-FFF2-40B4-BE49-F238E27FC236}">
-                <a16:creationId xmlns:a16="http://schemas.microsoft.com/office/drawing/2014/main" id="{3E194CBF-AE37-4397-A1CD-332B2D6410AA}"/>
+                <a16:creationId xmlns:a16="http://schemas.microsoft.com/office/drawing/2014/main" xmlns="" id="{3E194CBF-AE37-4397-A1CD-332B2D6410AA}"/>
               </a:ext>
             </a:extLst>
           </p:cNvPr>
@@ -772,7 +775,7 @@
           <p:cNvPr id="2" name="제목 1">
             <a:extLst>
               <a:ext uri="{FF2B5EF4-FFF2-40B4-BE49-F238E27FC236}">
-                <a16:creationId xmlns:a16="http://schemas.microsoft.com/office/drawing/2014/main" id="{9B9C4D13-4AAD-4F92-9EEF-4D030C2A9388}"/>
+                <a16:creationId xmlns:a16="http://schemas.microsoft.com/office/drawing/2014/main" xmlns="" id="{9B9C4D13-4AAD-4F92-9EEF-4D030C2A9388}"/>
               </a:ext>
             </a:extLst>
           </p:cNvPr>
@@ -800,7 +803,7 @@
           <p:cNvPr id="3" name="내용 개체 틀 2">
             <a:extLst>
               <a:ext uri="{FF2B5EF4-FFF2-40B4-BE49-F238E27FC236}">
-                <a16:creationId xmlns:a16="http://schemas.microsoft.com/office/drawing/2014/main" id="{BB9C40DD-35C8-4962-9F0B-CE083F9D11F4}"/>
+                <a16:creationId xmlns:a16="http://schemas.microsoft.com/office/drawing/2014/main" xmlns="" id="{BB9C40DD-35C8-4962-9F0B-CE083F9D11F4}"/>
               </a:ext>
             </a:extLst>
           </p:cNvPr>
@@ -857,7 +860,7 @@
           <p:cNvPr id="4" name="날짜 개체 틀 3">
             <a:extLst>
               <a:ext uri="{FF2B5EF4-FFF2-40B4-BE49-F238E27FC236}">
-                <a16:creationId xmlns:a16="http://schemas.microsoft.com/office/drawing/2014/main" id="{EFB14547-18EF-4A52-944D-F066FB5797E3}"/>
+                <a16:creationId xmlns:a16="http://schemas.microsoft.com/office/drawing/2014/main" xmlns="" id="{EFB14547-18EF-4A52-944D-F066FB5797E3}"/>
               </a:ext>
             </a:extLst>
           </p:cNvPr>
@@ -875,7 +878,7 @@
           <a:p>
             <a:fld id="{91A9B97E-F6D3-4E3E-94ED-797507699067}" type="datetimeFigureOut">
               <a:rPr lang="ko-KR" altLang="en-US" smtClean="0"/>
-              <a:t>2019-03-30</a:t>
+              <a:t>2019-04-02</a:t>
             </a:fld>
             <a:endParaRPr lang="ko-KR" altLang="en-US"/>
           </a:p>
@@ -886,7 +889,7 @@
           <p:cNvPr id="5" name="바닥글 개체 틀 4">
             <a:extLst>
               <a:ext uri="{FF2B5EF4-FFF2-40B4-BE49-F238E27FC236}">
-                <a16:creationId xmlns:a16="http://schemas.microsoft.com/office/drawing/2014/main" id="{72901E91-C70F-4F5A-BB44-24DDCE6D31F3}"/>
+                <a16:creationId xmlns:a16="http://schemas.microsoft.com/office/drawing/2014/main" xmlns="" id="{72901E91-C70F-4F5A-BB44-24DDCE6D31F3}"/>
               </a:ext>
             </a:extLst>
           </p:cNvPr>
@@ -911,7 +914,7 @@
           <p:cNvPr id="6" name="슬라이드 번호 개체 틀 5">
             <a:extLst>
               <a:ext uri="{FF2B5EF4-FFF2-40B4-BE49-F238E27FC236}">
-                <a16:creationId xmlns:a16="http://schemas.microsoft.com/office/drawing/2014/main" id="{C271BD60-9CB3-41E6-B6B7-A3912C041526}"/>
+                <a16:creationId xmlns:a16="http://schemas.microsoft.com/office/drawing/2014/main" xmlns="" id="{C271BD60-9CB3-41E6-B6B7-A3912C041526}"/>
               </a:ext>
             </a:extLst>
           </p:cNvPr>
@@ -970,7 +973,7 @@
           <p:cNvPr id="2" name="제목 1">
             <a:extLst>
               <a:ext uri="{FF2B5EF4-FFF2-40B4-BE49-F238E27FC236}">
-                <a16:creationId xmlns:a16="http://schemas.microsoft.com/office/drawing/2014/main" id="{8FC79EE5-7DFF-4674-BAF9-F562C14D4547}"/>
+                <a16:creationId xmlns:a16="http://schemas.microsoft.com/office/drawing/2014/main" xmlns="" id="{8FC79EE5-7DFF-4674-BAF9-F562C14D4547}"/>
               </a:ext>
             </a:extLst>
           </p:cNvPr>
@@ -1007,7 +1010,7 @@
           <p:cNvPr id="3" name="텍스트 개체 틀 2">
             <a:extLst>
               <a:ext uri="{FF2B5EF4-FFF2-40B4-BE49-F238E27FC236}">
-                <a16:creationId xmlns:a16="http://schemas.microsoft.com/office/drawing/2014/main" id="{E35B8E13-D522-4C66-893B-88E4E2229B35}"/>
+                <a16:creationId xmlns:a16="http://schemas.microsoft.com/office/drawing/2014/main" xmlns="" id="{E35B8E13-D522-4C66-893B-88E4E2229B35}"/>
               </a:ext>
             </a:extLst>
           </p:cNvPr>
@@ -1132,7 +1135,7 @@
           <p:cNvPr id="4" name="날짜 개체 틀 3">
             <a:extLst>
               <a:ext uri="{FF2B5EF4-FFF2-40B4-BE49-F238E27FC236}">
-                <a16:creationId xmlns:a16="http://schemas.microsoft.com/office/drawing/2014/main" id="{CD6709E8-D9C8-44D3-9E78-CDFD4D885A14}"/>
+                <a16:creationId xmlns:a16="http://schemas.microsoft.com/office/drawing/2014/main" xmlns="" id="{CD6709E8-D9C8-44D3-9E78-CDFD4D885A14}"/>
               </a:ext>
             </a:extLst>
           </p:cNvPr>
@@ -1150,7 +1153,7 @@
           <a:p>
             <a:fld id="{91A9B97E-F6D3-4E3E-94ED-797507699067}" type="datetimeFigureOut">
               <a:rPr lang="ko-KR" altLang="en-US" smtClean="0"/>
-              <a:t>2019-03-30</a:t>
+              <a:t>2019-04-02</a:t>
             </a:fld>
             <a:endParaRPr lang="ko-KR" altLang="en-US"/>
           </a:p>
@@ -1161,7 +1164,7 @@
           <p:cNvPr id="5" name="바닥글 개체 틀 4">
             <a:extLst>
               <a:ext uri="{FF2B5EF4-FFF2-40B4-BE49-F238E27FC236}">
-                <a16:creationId xmlns:a16="http://schemas.microsoft.com/office/drawing/2014/main" id="{D8CE8CF1-5A75-4708-8009-57DBAFD27484}"/>
+                <a16:creationId xmlns:a16="http://schemas.microsoft.com/office/drawing/2014/main" xmlns="" id="{D8CE8CF1-5A75-4708-8009-57DBAFD27484}"/>
               </a:ext>
             </a:extLst>
           </p:cNvPr>
@@ -1186,7 +1189,7 @@
           <p:cNvPr id="6" name="슬라이드 번호 개체 틀 5">
             <a:extLst>
               <a:ext uri="{FF2B5EF4-FFF2-40B4-BE49-F238E27FC236}">
-                <a16:creationId xmlns:a16="http://schemas.microsoft.com/office/drawing/2014/main" id="{17C5E26A-860A-473F-959F-C925BCE50F4B}"/>
+                <a16:creationId xmlns:a16="http://schemas.microsoft.com/office/drawing/2014/main" xmlns="" id="{17C5E26A-860A-473F-959F-C925BCE50F4B}"/>
               </a:ext>
             </a:extLst>
           </p:cNvPr>
@@ -1245,7 +1248,7 @@
           <p:cNvPr id="2" name="제목 1">
             <a:extLst>
               <a:ext uri="{FF2B5EF4-FFF2-40B4-BE49-F238E27FC236}">
-                <a16:creationId xmlns:a16="http://schemas.microsoft.com/office/drawing/2014/main" id="{6864B67E-9873-49C4-BE7F-3A06549ADBE3}"/>
+                <a16:creationId xmlns:a16="http://schemas.microsoft.com/office/drawing/2014/main" xmlns="" id="{6864B67E-9873-49C4-BE7F-3A06549ADBE3}"/>
               </a:ext>
             </a:extLst>
           </p:cNvPr>
@@ -1273,7 +1276,7 @@
           <p:cNvPr id="3" name="내용 개체 틀 2">
             <a:extLst>
               <a:ext uri="{FF2B5EF4-FFF2-40B4-BE49-F238E27FC236}">
-                <a16:creationId xmlns:a16="http://schemas.microsoft.com/office/drawing/2014/main" id="{D9DC2E49-03A1-49B7-A20C-79E1F3B67CF3}"/>
+                <a16:creationId xmlns:a16="http://schemas.microsoft.com/office/drawing/2014/main" xmlns="" id="{D9DC2E49-03A1-49B7-A20C-79E1F3B67CF3}"/>
               </a:ext>
             </a:extLst>
           </p:cNvPr>
@@ -1335,7 +1338,7 @@
           <p:cNvPr id="4" name="내용 개체 틀 3">
             <a:extLst>
               <a:ext uri="{FF2B5EF4-FFF2-40B4-BE49-F238E27FC236}">
-                <a16:creationId xmlns:a16="http://schemas.microsoft.com/office/drawing/2014/main" id="{EE22DD7C-12FD-4600-96BB-6E8C9EA0621D}"/>
+                <a16:creationId xmlns:a16="http://schemas.microsoft.com/office/drawing/2014/main" xmlns="" id="{EE22DD7C-12FD-4600-96BB-6E8C9EA0621D}"/>
               </a:ext>
             </a:extLst>
           </p:cNvPr>
@@ -1397,7 +1400,7 @@
           <p:cNvPr id="5" name="날짜 개체 틀 4">
             <a:extLst>
               <a:ext uri="{FF2B5EF4-FFF2-40B4-BE49-F238E27FC236}">
-                <a16:creationId xmlns:a16="http://schemas.microsoft.com/office/drawing/2014/main" id="{33436077-197B-4F03-927A-7CFCFFE0D47E}"/>
+                <a16:creationId xmlns:a16="http://schemas.microsoft.com/office/drawing/2014/main" xmlns="" id="{33436077-197B-4F03-927A-7CFCFFE0D47E}"/>
               </a:ext>
             </a:extLst>
           </p:cNvPr>
@@ -1415,7 +1418,7 @@
           <a:p>
             <a:fld id="{91A9B97E-F6D3-4E3E-94ED-797507699067}" type="datetimeFigureOut">
               <a:rPr lang="ko-KR" altLang="en-US" smtClean="0"/>
-              <a:t>2019-03-30</a:t>
+              <a:t>2019-04-02</a:t>
             </a:fld>
             <a:endParaRPr lang="ko-KR" altLang="en-US"/>
           </a:p>
@@ -1426,7 +1429,7 @@
           <p:cNvPr id="6" name="바닥글 개체 틀 5">
             <a:extLst>
               <a:ext uri="{FF2B5EF4-FFF2-40B4-BE49-F238E27FC236}">
-                <a16:creationId xmlns:a16="http://schemas.microsoft.com/office/drawing/2014/main" id="{ABA2E939-7C95-4E66-940D-C8667DCC2D3E}"/>
+                <a16:creationId xmlns:a16="http://schemas.microsoft.com/office/drawing/2014/main" xmlns="" id="{ABA2E939-7C95-4E66-940D-C8667DCC2D3E}"/>
               </a:ext>
             </a:extLst>
           </p:cNvPr>
@@ -1451,7 +1454,7 @@
           <p:cNvPr id="7" name="슬라이드 번호 개체 틀 6">
             <a:extLst>
               <a:ext uri="{FF2B5EF4-FFF2-40B4-BE49-F238E27FC236}">
-                <a16:creationId xmlns:a16="http://schemas.microsoft.com/office/drawing/2014/main" id="{762376B2-707B-4824-BD6A-50052284013A}"/>
+                <a16:creationId xmlns:a16="http://schemas.microsoft.com/office/drawing/2014/main" xmlns="" id="{762376B2-707B-4824-BD6A-50052284013A}"/>
               </a:ext>
             </a:extLst>
           </p:cNvPr>
@@ -1510,7 +1513,7 @@
           <p:cNvPr id="2" name="제목 1">
             <a:extLst>
               <a:ext uri="{FF2B5EF4-FFF2-40B4-BE49-F238E27FC236}">
-                <a16:creationId xmlns:a16="http://schemas.microsoft.com/office/drawing/2014/main" id="{3EDF6C67-3B58-4ECF-885F-5BE1EA4B5848}"/>
+                <a16:creationId xmlns:a16="http://schemas.microsoft.com/office/drawing/2014/main" xmlns="" id="{3EDF6C67-3B58-4ECF-885F-5BE1EA4B5848}"/>
               </a:ext>
             </a:extLst>
           </p:cNvPr>
@@ -1543,7 +1546,7 @@
           <p:cNvPr id="3" name="텍스트 개체 틀 2">
             <a:extLst>
               <a:ext uri="{FF2B5EF4-FFF2-40B4-BE49-F238E27FC236}">
-                <a16:creationId xmlns:a16="http://schemas.microsoft.com/office/drawing/2014/main" id="{475D51F8-E9CA-45C2-B83A-4AE700EC4041}"/>
+                <a16:creationId xmlns:a16="http://schemas.microsoft.com/office/drawing/2014/main" xmlns="" id="{475D51F8-E9CA-45C2-B83A-4AE700EC4041}"/>
               </a:ext>
             </a:extLst>
           </p:cNvPr>
@@ -1614,7 +1617,7 @@
           <p:cNvPr id="4" name="내용 개체 틀 3">
             <a:extLst>
               <a:ext uri="{FF2B5EF4-FFF2-40B4-BE49-F238E27FC236}">
-                <a16:creationId xmlns:a16="http://schemas.microsoft.com/office/drawing/2014/main" id="{B0A2A256-137E-4C70-A04B-E33451CE5E00}"/>
+                <a16:creationId xmlns:a16="http://schemas.microsoft.com/office/drawing/2014/main" xmlns="" id="{B0A2A256-137E-4C70-A04B-E33451CE5E00}"/>
               </a:ext>
             </a:extLst>
           </p:cNvPr>
@@ -1676,7 +1679,7 @@
           <p:cNvPr id="5" name="텍스트 개체 틀 4">
             <a:extLst>
               <a:ext uri="{FF2B5EF4-FFF2-40B4-BE49-F238E27FC236}">
-                <a16:creationId xmlns:a16="http://schemas.microsoft.com/office/drawing/2014/main" id="{AAE01D55-8DB4-4CC9-BCB0-790D6ABEAB9B}"/>
+                <a16:creationId xmlns:a16="http://schemas.microsoft.com/office/drawing/2014/main" xmlns="" id="{AAE01D55-8DB4-4CC9-BCB0-790D6ABEAB9B}"/>
               </a:ext>
             </a:extLst>
           </p:cNvPr>
@@ -1747,7 +1750,7 @@
           <p:cNvPr id="6" name="내용 개체 틀 5">
             <a:extLst>
               <a:ext uri="{FF2B5EF4-FFF2-40B4-BE49-F238E27FC236}">
-                <a16:creationId xmlns:a16="http://schemas.microsoft.com/office/drawing/2014/main" id="{1194C7A0-7545-4263-B65B-1029F6ED9BA1}"/>
+                <a16:creationId xmlns:a16="http://schemas.microsoft.com/office/drawing/2014/main" xmlns="" id="{1194C7A0-7545-4263-B65B-1029F6ED9BA1}"/>
               </a:ext>
             </a:extLst>
           </p:cNvPr>
@@ -1809,7 +1812,7 @@
           <p:cNvPr id="7" name="날짜 개체 틀 6">
             <a:extLst>
               <a:ext uri="{FF2B5EF4-FFF2-40B4-BE49-F238E27FC236}">
-                <a16:creationId xmlns:a16="http://schemas.microsoft.com/office/drawing/2014/main" id="{5412D617-9674-4C16-ADC3-D6B64C8C5E1E}"/>
+                <a16:creationId xmlns:a16="http://schemas.microsoft.com/office/drawing/2014/main" xmlns="" id="{5412D617-9674-4C16-ADC3-D6B64C8C5E1E}"/>
               </a:ext>
             </a:extLst>
           </p:cNvPr>
@@ -1827,7 +1830,7 @@
           <a:p>
             <a:fld id="{91A9B97E-F6D3-4E3E-94ED-797507699067}" type="datetimeFigureOut">
               <a:rPr lang="ko-KR" altLang="en-US" smtClean="0"/>
-              <a:t>2019-03-30</a:t>
+              <a:t>2019-04-02</a:t>
             </a:fld>
             <a:endParaRPr lang="ko-KR" altLang="en-US"/>
           </a:p>
@@ -1838,7 +1841,7 @@
           <p:cNvPr id="8" name="바닥글 개체 틀 7">
             <a:extLst>
               <a:ext uri="{FF2B5EF4-FFF2-40B4-BE49-F238E27FC236}">
-                <a16:creationId xmlns:a16="http://schemas.microsoft.com/office/drawing/2014/main" id="{268BD274-D136-4069-B41C-65A74E9A3B27}"/>
+                <a16:creationId xmlns:a16="http://schemas.microsoft.com/office/drawing/2014/main" xmlns="" id="{268BD274-D136-4069-B41C-65A74E9A3B27}"/>
               </a:ext>
             </a:extLst>
           </p:cNvPr>
@@ -1863,7 +1866,7 @@
           <p:cNvPr id="9" name="슬라이드 번호 개체 틀 8">
             <a:extLst>
               <a:ext uri="{FF2B5EF4-FFF2-40B4-BE49-F238E27FC236}">
-                <a16:creationId xmlns:a16="http://schemas.microsoft.com/office/drawing/2014/main" id="{8E8555B2-B3C3-4379-9012-8A57856F872E}"/>
+                <a16:creationId xmlns:a16="http://schemas.microsoft.com/office/drawing/2014/main" xmlns="" id="{8E8555B2-B3C3-4379-9012-8A57856F872E}"/>
               </a:ext>
             </a:extLst>
           </p:cNvPr>
@@ -1922,7 +1925,7 @@
           <p:cNvPr id="2" name="제목 1">
             <a:extLst>
               <a:ext uri="{FF2B5EF4-FFF2-40B4-BE49-F238E27FC236}">
-                <a16:creationId xmlns:a16="http://schemas.microsoft.com/office/drawing/2014/main" id="{55963BEE-25E6-4728-B08D-A4BB255B6BEF}"/>
+                <a16:creationId xmlns:a16="http://schemas.microsoft.com/office/drawing/2014/main" xmlns="" id="{55963BEE-25E6-4728-B08D-A4BB255B6BEF}"/>
               </a:ext>
             </a:extLst>
           </p:cNvPr>
@@ -1950,7 +1953,7 @@
           <p:cNvPr id="3" name="날짜 개체 틀 2">
             <a:extLst>
               <a:ext uri="{FF2B5EF4-FFF2-40B4-BE49-F238E27FC236}">
-                <a16:creationId xmlns:a16="http://schemas.microsoft.com/office/drawing/2014/main" id="{165B923B-53F6-49E7-BE3F-F18E51233209}"/>
+                <a16:creationId xmlns:a16="http://schemas.microsoft.com/office/drawing/2014/main" xmlns="" id="{165B923B-53F6-49E7-BE3F-F18E51233209}"/>
               </a:ext>
             </a:extLst>
           </p:cNvPr>
@@ -1968,7 +1971,7 @@
           <a:p>
             <a:fld id="{91A9B97E-F6D3-4E3E-94ED-797507699067}" type="datetimeFigureOut">
               <a:rPr lang="ko-KR" altLang="en-US" smtClean="0"/>
-              <a:t>2019-03-30</a:t>
+              <a:t>2019-04-02</a:t>
             </a:fld>
             <a:endParaRPr lang="ko-KR" altLang="en-US"/>
           </a:p>
@@ -1979,7 +1982,7 @@
           <p:cNvPr id="4" name="바닥글 개체 틀 3">
             <a:extLst>
               <a:ext uri="{FF2B5EF4-FFF2-40B4-BE49-F238E27FC236}">
-                <a16:creationId xmlns:a16="http://schemas.microsoft.com/office/drawing/2014/main" id="{8CC13A7C-E0BE-4D7A-8291-B3907454F354}"/>
+                <a16:creationId xmlns:a16="http://schemas.microsoft.com/office/drawing/2014/main" xmlns="" id="{8CC13A7C-E0BE-4D7A-8291-B3907454F354}"/>
               </a:ext>
             </a:extLst>
           </p:cNvPr>
@@ -2004,7 +2007,7 @@
           <p:cNvPr id="5" name="슬라이드 번호 개체 틀 4">
             <a:extLst>
               <a:ext uri="{FF2B5EF4-FFF2-40B4-BE49-F238E27FC236}">
-                <a16:creationId xmlns:a16="http://schemas.microsoft.com/office/drawing/2014/main" id="{2AF4A209-3A6F-4D38-82B8-204B5E380308}"/>
+                <a16:creationId xmlns:a16="http://schemas.microsoft.com/office/drawing/2014/main" xmlns="" id="{2AF4A209-3A6F-4D38-82B8-204B5E380308}"/>
               </a:ext>
             </a:extLst>
           </p:cNvPr>
@@ -2063,7 +2066,7 @@
           <p:cNvPr id="2" name="날짜 개체 틀 1">
             <a:extLst>
               <a:ext uri="{FF2B5EF4-FFF2-40B4-BE49-F238E27FC236}">
-                <a16:creationId xmlns:a16="http://schemas.microsoft.com/office/drawing/2014/main" id="{B1AF6FB2-4523-4B55-ACEF-71EEFB8FAFC0}"/>
+                <a16:creationId xmlns:a16="http://schemas.microsoft.com/office/drawing/2014/main" xmlns="" id="{B1AF6FB2-4523-4B55-ACEF-71EEFB8FAFC0}"/>
               </a:ext>
             </a:extLst>
           </p:cNvPr>
@@ -2081,7 +2084,7 @@
           <a:p>
             <a:fld id="{91A9B97E-F6D3-4E3E-94ED-797507699067}" type="datetimeFigureOut">
               <a:rPr lang="ko-KR" altLang="en-US" smtClean="0"/>
-              <a:t>2019-03-30</a:t>
+              <a:t>2019-04-02</a:t>
             </a:fld>
             <a:endParaRPr lang="ko-KR" altLang="en-US"/>
           </a:p>
@@ -2092,7 +2095,7 @@
           <p:cNvPr id="3" name="바닥글 개체 틀 2">
             <a:extLst>
               <a:ext uri="{FF2B5EF4-FFF2-40B4-BE49-F238E27FC236}">
-                <a16:creationId xmlns:a16="http://schemas.microsoft.com/office/drawing/2014/main" id="{AFF10D8C-F2A9-4A67-923A-02432DE2A424}"/>
+                <a16:creationId xmlns:a16="http://schemas.microsoft.com/office/drawing/2014/main" xmlns="" id="{AFF10D8C-F2A9-4A67-923A-02432DE2A424}"/>
               </a:ext>
             </a:extLst>
           </p:cNvPr>
@@ -2117,7 +2120,7 @@
           <p:cNvPr id="4" name="슬라이드 번호 개체 틀 3">
             <a:extLst>
               <a:ext uri="{FF2B5EF4-FFF2-40B4-BE49-F238E27FC236}">
-                <a16:creationId xmlns:a16="http://schemas.microsoft.com/office/drawing/2014/main" id="{33A396C9-4169-412A-9A17-B4580F4E1D9E}"/>
+                <a16:creationId xmlns:a16="http://schemas.microsoft.com/office/drawing/2014/main" xmlns="" id="{33A396C9-4169-412A-9A17-B4580F4E1D9E}"/>
               </a:ext>
             </a:extLst>
           </p:cNvPr>
@@ -2176,7 +2179,7 @@
           <p:cNvPr id="2" name="제목 1">
             <a:extLst>
               <a:ext uri="{FF2B5EF4-FFF2-40B4-BE49-F238E27FC236}">
-                <a16:creationId xmlns:a16="http://schemas.microsoft.com/office/drawing/2014/main" id="{041DEE97-9106-4387-BB89-7547D3880688}"/>
+                <a16:creationId xmlns:a16="http://schemas.microsoft.com/office/drawing/2014/main" xmlns="" id="{041DEE97-9106-4387-BB89-7547D3880688}"/>
               </a:ext>
             </a:extLst>
           </p:cNvPr>
@@ -2213,7 +2216,7 @@
           <p:cNvPr id="3" name="내용 개체 틀 2">
             <a:extLst>
               <a:ext uri="{FF2B5EF4-FFF2-40B4-BE49-F238E27FC236}">
-                <a16:creationId xmlns:a16="http://schemas.microsoft.com/office/drawing/2014/main" id="{C04C38D8-3F29-4E63-9717-5AAE844D50B4}"/>
+                <a16:creationId xmlns:a16="http://schemas.microsoft.com/office/drawing/2014/main" xmlns="" id="{C04C38D8-3F29-4E63-9717-5AAE844D50B4}"/>
               </a:ext>
             </a:extLst>
           </p:cNvPr>
@@ -2303,7 +2306,7 @@
           <p:cNvPr id="4" name="텍스트 개체 틀 3">
             <a:extLst>
               <a:ext uri="{FF2B5EF4-FFF2-40B4-BE49-F238E27FC236}">
-                <a16:creationId xmlns:a16="http://schemas.microsoft.com/office/drawing/2014/main" id="{D345B717-23B6-4B48-9FB3-63711E87A4CA}"/>
+                <a16:creationId xmlns:a16="http://schemas.microsoft.com/office/drawing/2014/main" xmlns="" id="{D345B717-23B6-4B48-9FB3-63711E87A4CA}"/>
               </a:ext>
             </a:extLst>
           </p:cNvPr>
@@ -2374,7 +2377,7 @@
           <p:cNvPr id="5" name="날짜 개체 틀 4">
             <a:extLst>
               <a:ext uri="{FF2B5EF4-FFF2-40B4-BE49-F238E27FC236}">
-                <a16:creationId xmlns:a16="http://schemas.microsoft.com/office/drawing/2014/main" id="{5EBEDC58-4D66-46AA-B364-2631115BFF02}"/>
+                <a16:creationId xmlns:a16="http://schemas.microsoft.com/office/drawing/2014/main" xmlns="" id="{5EBEDC58-4D66-46AA-B364-2631115BFF02}"/>
               </a:ext>
             </a:extLst>
           </p:cNvPr>
@@ -2392,7 +2395,7 @@
           <a:p>
             <a:fld id="{91A9B97E-F6D3-4E3E-94ED-797507699067}" type="datetimeFigureOut">
               <a:rPr lang="ko-KR" altLang="en-US" smtClean="0"/>
-              <a:t>2019-03-30</a:t>
+              <a:t>2019-04-02</a:t>
             </a:fld>
             <a:endParaRPr lang="ko-KR" altLang="en-US"/>
           </a:p>
@@ -2403,7 +2406,7 @@
           <p:cNvPr id="6" name="바닥글 개체 틀 5">
             <a:extLst>
               <a:ext uri="{FF2B5EF4-FFF2-40B4-BE49-F238E27FC236}">
-                <a16:creationId xmlns:a16="http://schemas.microsoft.com/office/drawing/2014/main" id="{4C9F017C-E835-4230-ABB5-D7665F532A53}"/>
+                <a16:creationId xmlns:a16="http://schemas.microsoft.com/office/drawing/2014/main" xmlns="" id="{4C9F017C-E835-4230-ABB5-D7665F532A53}"/>
               </a:ext>
             </a:extLst>
           </p:cNvPr>
@@ -2428,7 +2431,7 @@
           <p:cNvPr id="7" name="슬라이드 번호 개체 틀 6">
             <a:extLst>
               <a:ext uri="{FF2B5EF4-FFF2-40B4-BE49-F238E27FC236}">
-                <a16:creationId xmlns:a16="http://schemas.microsoft.com/office/drawing/2014/main" id="{87C3DE02-C8D1-4D5C-9EC1-F3DB2ACDE4A2}"/>
+                <a16:creationId xmlns:a16="http://schemas.microsoft.com/office/drawing/2014/main" xmlns="" id="{87C3DE02-C8D1-4D5C-9EC1-F3DB2ACDE4A2}"/>
               </a:ext>
             </a:extLst>
           </p:cNvPr>
@@ -2487,7 +2490,7 @@
           <p:cNvPr id="2" name="제목 1">
             <a:extLst>
               <a:ext uri="{FF2B5EF4-FFF2-40B4-BE49-F238E27FC236}">
-                <a16:creationId xmlns:a16="http://schemas.microsoft.com/office/drawing/2014/main" id="{ABF0B619-815A-4B23-8449-6828CA879267}"/>
+                <a16:creationId xmlns:a16="http://schemas.microsoft.com/office/drawing/2014/main" xmlns="" id="{ABF0B619-815A-4B23-8449-6828CA879267}"/>
               </a:ext>
             </a:extLst>
           </p:cNvPr>
@@ -2524,7 +2527,7 @@
           <p:cNvPr id="3" name="그림 개체 틀 2">
             <a:extLst>
               <a:ext uri="{FF2B5EF4-FFF2-40B4-BE49-F238E27FC236}">
-                <a16:creationId xmlns:a16="http://schemas.microsoft.com/office/drawing/2014/main" id="{FE0D32A0-6B82-4E7F-9CAA-C5BC81985FA3}"/>
+                <a16:creationId xmlns:a16="http://schemas.microsoft.com/office/drawing/2014/main" xmlns="" id="{FE0D32A0-6B82-4E7F-9CAA-C5BC81985FA3}"/>
               </a:ext>
             </a:extLst>
           </p:cNvPr>
@@ -2591,7 +2594,7 @@
           <p:cNvPr id="4" name="텍스트 개체 틀 3">
             <a:extLst>
               <a:ext uri="{FF2B5EF4-FFF2-40B4-BE49-F238E27FC236}">
-                <a16:creationId xmlns:a16="http://schemas.microsoft.com/office/drawing/2014/main" id="{CFE7D1B5-BB9C-4299-807B-92F8A9760872}"/>
+                <a16:creationId xmlns:a16="http://schemas.microsoft.com/office/drawing/2014/main" xmlns="" id="{CFE7D1B5-BB9C-4299-807B-92F8A9760872}"/>
               </a:ext>
             </a:extLst>
           </p:cNvPr>
@@ -2662,7 +2665,7 @@
           <p:cNvPr id="5" name="날짜 개체 틀 4">
             <a:extLst>
               <a:ext uri="{FF2B5EF4-FFF2-40B4-BE49-F238E27FC236}">
-                <a16:creationId xmlns:a16="http://schemas.microsoft.com/office/drawing/2014/main" id="{20AEC33E-4BF5-4080-A9D5-CA56296348E1}"/>
+                <a16:creationId xmlns:a16="http://schemas.microsoft.com/office/drawing/2014/main" xmlns="" id="{20AEC33E-4BF5-4080-A9D5-CA56296348E1}"/>
               </a:ext>
             </a:extLst>
           </p:cNvPr>
@@ -2680,7 +2683,7 @@
           <a:p>
             <a:fld id="{91A9B97E-F6D3-4E3E-94ED-797507699067}" type="datetimeFigureOut">
               <a:rPr lang="ko-KR" altLang="en-US" smtClean="0"/>
-              <a:t>2019-03-30</a:t>
+              <a:t>2019-04-02</a:t>
             </a:fld>
             <a:endParaRPr lang="ko-KR" altLang="en-US"/>
           </a:p>
@@ -2691,7 +2694,7 @@
           <p:cNvPr id="6" name="바닥글 개체 틀 5">
             <a:extLst>
               <a:ext uri="{FF2B5EF4-FFF2-40B4-BE49-F238E27FC236}">
-                <a16:creationId xmlns:a16="http://schemas.microsoft.com/office/drawing/2014/main" id="{7279EA8F-A3C1-4DD7-ACBC-2D4AF2196E5D}"/>
+                <a16:creationId xmlns:a16="http://schemas.microsoft.com/office/drawing/2014/main" xmlns="" id="{7279EA8F-A3C1-4DD7-ACBC-2D4AF2196E5D}"/>
               </a:ext>
             </a:extLst>
           </p:cNvPr>
@@ -2716,7 +2719,7 @@
           <p:cNvPr id="7" name="슬라이드 번호 개체 틀 6">
             <a:extLst>
               <a:ext uri="{FF2B5EF4-FFF2-40B4-BE49-F238E27FC236}">
-                <a16:creationId xmlns:a16="http://schemas.microsoft.com/office/drawing/2014/main" id="{3844552F-F79F-4F53-B60D-91FECB93E416}"/>
+                <a16:creationId xmlns:a16="http://schemas.microsoft.com/office/drawing/2014/main" xmlns="" id="{3844552F-F79F-4F53-B60D-91FECB93E416}"/>
               </a:ext>
             </a:extLst>
           </p:cNvPr>
@@ -2780,7 +2783,7 @@
           <p:cNvPr id="2" name="제목 개체 틀 1">
             <a:extLst>
               <a:ext uri="{FF2B5EF4-FFF2-40B4-BE49-F238E27FC236}">
-                <a16:creationId xmlns:a16="http://schemas.microsoft.com/office/drawing/2014/main" id="{98007B9C-C91B-4F99-95D4-410125134539}"/>
+                <a16:creationId xmlns:a16="http://schemas.microsoft.com/office/drawing/2014/main" xmlns="" id="{98007B9C-C91B-4F99-95D4-410125134539}"/>
               </a:ext>
             </a:extLst>
           </p:cNvPr>
@@ -2818,7 +2821,7 @@
           <p:cNvPr id="3" name="텍스트 개체 틀 2">
             <a:extLst>
               <a:ext uri="{FF2B5EF4-FFF2-40B4-BE49-F238E27FC236}">
-                <a16:creationId xmlns:a16="http://schemas.microsoft.com/office/drawing/2014/main" id="{04D84F40-D52C-47AE-B429-D840DBB67EBE}"/>
+                <a16:creationId xmlns:a16="http://schemas.microsoft.com/office/drawing/2014/main" xmlns="" id="{04D84F40-D52C-47AE-B429-D840DBB67EBE}"/>
               </a:ext>
             </a:extLst>
           </p:cNvPr>
@@ -2885,7 +2888,7 @@
           <p:cNvPr id="4" name="날짜 개체 틀 3">
             <a:extLst>
               <a:ext uri="{FF2B5EF4-FFF2-40B4-BE49-F238E27FC236}">
-                <a16:creationId xmlns:a16="http://schemas.microsoft.com/office/drawing/2014/main" id="{9738BAD8-D8C3-4B4C-A0B4-4A999F873930}"/>
+                <a16:creationId xmlns:a16="http://schemas.microsoft.com/office/drawing/2014/main" xmlns="" id="{9738BAD8-D8C3-4B4C-A0B4-4A999F873930}"/>
               </a:ext>
             </a:extLst>
           </p:cNvPr>
@@ -2921,7 +2924,7 @@
           <a:p>
             <a:fld id="{91A9B97E-F6D3-4E3E-94ED-797507699067}" type="datetimeFigureOut">
               <a:rPr lang="ko-KR" altLang="en-US" smtClean="0"/>
-              <a:t>2019-03-30</a:t>
+              <a:t>2019-04-02</a:t>
             </a:fld>
             <a:endParaRPr lang="ko-KR" altLang="en-US"/>
           </a:p>
@@ -2932,7 +2935,7 @@
           <p:cNvPr id="5" name="바닥글 개체 틀 4">
             <a:extLst>
               <a:ext uri="{FF2B5EF4-FFF2-40B4-BE49-F238E27FC236}">
-                <a16:creationId xmlns:a16="http://schemas.microsoft.com/office/drawing/2014/main" id="{8968748E-F89E-4902-A4C3-BAAB81BDCCA2}"/>
+                <a16:creationId xmlns:a16="http://schemas.microsoft.com/office/drawing/2014/main" xmlns="" id="{8968748E-F89E-4902-A4C3-BAAB81BDCCA2}"/>
               </a:ext>
             </a:extLst>
           </p:cNvPr>
@@ -2975,7 +2978,7 @@
           <p:cNvPr id="6" name="슬라이드 번호 개체 틀 5">
             <a:extLst>
               <a:ext uri="{FF2B5EF4-FFF2-40B4-BE49-F238E27FC236}">
-                <a16:creationId xmlns:a16="http://schemas.microsoft.com/office/drawing/2014/main" id="{B53CF013-9E44-4021-ACC0-9EDF262AC131}"/>
+                <a16:creationId xmlns:a16="http://schemas.microsoft.com/office/drawing/2014/main" xmlns="" id="{B53CF013-9E44-4021-ACC0-9EDF262AC131}"/>
               </a:ext>
             </a:extLst>
           </p:cNvPr>
@@ -3343,7 +3346,7 @@
           <p:cNvPr id="15" name="그림 14">
             <a:extLst>
               <a:ext uri="{FF2B5EF4-FFF2-40B4-BE49-F238E27FC236}">
-                <a16:creationId xmlns:a16="http://schemas.microsoft.com/office/drawing/2014/main" id="{9DBACCE5-696F-4AA5-9DDB-23A9B44FA0C2}"/>
+                <a16:creationId xmlns:a16="http://schemas.microsoft.com/office/drawing/2014/main" xmlns="" id="{9DBACCE5-696F-4AA5-9DDB-23A9B44FA0C2}"/>
               </a:ext>
             </a:extLst>
           </p:cNvPr>
@@ -3378,7 +3381,7 @@
           <p:cNvPr id="19" name="그림 18">
             <a:extLst>
               <a:ext uri="{FF2B5EF4-FFF2-40B4-BE49-F238E27FC236}">
-                <a16:creationId xmlns:a16="http://schemas.microsoft.com/office/drawing/2014/main" id="{3E559397-00C5-484F-94A9-FB7E001DB386}"/>
+                <a16:creationId xmlns:a16="http://schemas.microsoft.com/office/drawing/2014/main" xmlns="" id="{3E559397-00C5-484F-94A9-FB7E001DB386}"/>
               </a:ext>
             </a:extLst>
           </p:cNvPr>
@@ -3413,7 +3416,7 @@
           <p:cNvPr id="21" name="그림 20">
             <a:extLst>
               <a:ext uri="{FF2B5EF4-FFF2-40B4-BE49-F238E27FC236}">
-                <a16:creationId xmlns:a16="http://schemas.microsoft.com/office/drawing/2014/main" id="{78C93208-4926-4127-B46E-9ACEFDEA20CB}"/>
+                <a16:creationId xmlns:a16="http://schemas.microsoft.com/office/drawing/2014/main" xmlns="" id="{78C93208-4926-4127-B46E-9ACEFDEA20CB}"/>
               </a:ext>
             </a:extLst>
           </p:cNvPr>
@@ -3448,7 +3451,7 @@
           <p:cNvPr id="30" name="그림 29">
             <a:extLst>
               <a:ext uri="{FF2B5EF4-FFF2-40B4-BE49-F238E27FC236}">
-                <a16:creationId xmlns:a16="http://schemas.microsoft.com/office/drawing/2014/main" id="{AB19114B-8FF9-4E5D-871C-D8BE6E627F7B}"/>
+                <a16:creationId xmlns:a16="http://schemas.microsoft.com/office/drawing/2014/main" xmlns="" id="{AB19114B-8FF9-4E5D-871C-D8BE6E627F7B}"/>
               </a:ext>
             </a:extLst>
           </p:cNvPr>
@@ -3484,7 +3487,7 @@
           <p:cNvPr id="33" name="그룹 32">
             <a:extLst>
               <a:ext uri="{FF2B5EF4-FFF2-40B4-BE49-F238E27FC236}">
-                <a16:creationId xmlns:a16="http://schemas.microsoft.com/office/drawing/2014/main" id="{652DA867-F8BB-445A-AC8C-9282DB76E351}"/>
+                <a16:creationId xmlns:a16="http://schemas.microsoft.com/office/drawing/2014/main" xmlns="" id="{652DA867-F8BB-445A-AC8C-9282DB76E351}"/>
               </a:ext>
             </a:extLst>
           </p:cNvPr>
@@ -3504,7 +3507,7 @@
             <p:cNvPr id="31" name="타원 30">
               <a:extLst>
                 <a:ext uri="{FF2B5EF4-FFF2-40B4-BE49-F238E27FC236}">
-                  <a16:creationId xmlns:a16="http://schemas.microsoft.com/office/drawing/2014/main" id="{F5506B36-036E-4081-AB32-92659EDAF600}"/>
+                  <a16:creationId xmlns:a16="http://schemas.microsoft.com/office/drawing/2014/main" xmlns="" id="{F5506B36-036E-4081-AB32-92659EDAF600}"/>
                 </a:ext>
               </a:extLst>
             </p:cNvPr>
@@ -3552,7 +3555,7 @@
             <p:cNvPr id="32" name="설명선: 굽은 이중선(테두리 없음) 31">
               <a:extLst>
                 <a:ext uri="{FF2B5EF4-FFF2-40B4-BE49-F238E27FC236}">
-                  <a16:creationId xmlns:a16="http://schemas.microsoft.com/office/drawing/2014/main" id="{84563600-46D4-4C9B-AAB9-E87577841D2C}"/>
+                  <a16:creationId xmlns:a16="http://schemas.microsoft.com/office/drawing/2014/main" xmlns="" id="{84563600-46D4-4C9B-AAB9-E87577841D2C}"/>
                 </a:ext>
               </a:extLst>
             </p:cNvPr>
@@ -3614,7 +3617,7 @@
           <p:cNvPr id="34" name="TextBox 33">
             <a:extLst>
               <a:ext uri="{FF2B5EF4-FFF2-40B4-BE49-F238E27FC236}">
-                <a16:creationId xmlns:a16="http://schemas.microsoft.com/office/drawing/2014/main" id="{C9D6D272-E725-4611-AC84-A991CD04A71D}"/>
+                <a16:creationId xmlns:a16="http://schemas.microsoft.com/office/drawing/2014/main" xmlns="" id="{C9D6D272-E725-4611-AC84-A991CD04A71D}"/>
               </a:ext>
             </a:extLst>
           </p:cNvPr>
@@ -3692,7 +3695,7 @@
           <p:cNvPr id="36" name="TextBox 35">
             <a:extLst>
               <a:ext uri="{FF2B5EF4-FFF2-40B4-BE49-F238E27FC236}">
-                <a16:creationId xmlns:a16="http://schemas.microsoft.com/office/drawing/2014/main" id="{FBE0AC98-8F46-46D1-B30D-5A2717F12BD8}"/>
+                <a16:creationId xmlns:a16="http://schemas.microsoft.com/office/drawing/2014/main" xmlns="" id="{FBE0AC98-8F46-46D1-B30D-5A2717F12BD8}"/>
               </a:ext>
             </a:extLst>
           </p:cNvPr>
@@ -3810,7 +3813,7 @@
           <p:cNvPr id="9" name="TextBox 8">
             <a:extLst>
               <a:ext uri="{FF2B5EF4-FFF2-40B4-BE49-F238E27FC236}">
-                <a16:creationId xmlns:a16="http://schemas.microsoft.com/office/drawing/2014/main" id="{C9890E28-CAF4-4824-B407-96AEF2601716}"/>
+                <a16:creationId xmlns:a16="http://schemas.microsoft.com/office/drawing/2014/main" xmlns="" id="{C9890E28-CAF4-4824-B407-96AEF2601716}"/>
               </a:ext>
             </a:extLst>
           </p:cNvPr>
@@ -4314,6 +4317,312 @@
     <p:extLst>
       <p:ext uri="{BB962C8B-B14F-4D97-AF65-F5344CB8AC3E}">
         <p14:creationId xmlns:p14="http://schemas.microsoft.com/office/powerpoint/2010/main" val="349122542"/>
+      </p:ext>
+    </p:extLst>
+  </p:cSld>
+  <p:clrMapOvr>
+    <a:masterClrMapping/>
+  </p:clrMapOvr>
+</p:sld>
+</file>
+
+<file path=ppt/slides/slide3.xml><?xml version="1.0" encoding="utf-8"?>
+<p:sld xmlns:a="http://schemas.openxmlformats.org/drawingml/2006/main" xmlns:r="http://schemas.openxmlformats.org/officeDocument/2006/relationships" xmlns:p="http://schemas.openxmlformats.org/presentationml/2006/main">
+  <p:cSld>
+    <p:spTree>
+      <p:nvGrpSpPr>
+        <p:cNvPr id="1" name=""/>
+        <p:cNvGrpSpPr/>
+        <p:nvPr/>
+      </p:nvGrpSpPr>
+      <p:grpSpPr>
+        <a:xfrm>
+          <a:off x="0" y="0"/>
+          <a:ext cx="0" cy="0"/>
+          <a:chOff x="0" y="0"/>
+          <a:chExt cx="0" cy="0"/>
+        </a:xfrm>
+      </p:grpSpPr>
+      <p:pic>
+        <p:nvPicPr>
+          <p:cNvPr id="4" name="그림 3"/>
+          <p:cNvPicPr>
+            <a:picLocks noChangeAspect="1"/>
+          </p:cNvPicPr>
+          <p:nvPr/>
+        </p:nvPicPr>
+        <p:blipFill>
+          <a:blip r:embed="rId2">
+            <a:extLst>
+              <a:ext uri="{28A0092B-C50C-407E-A947-70E740481C1C}">
+                <a14:useLocalDpi xmlns:a14="http://schemas.microsoft.com/office/drawing/2010/main" val="0"/>
+              </a:ext>
+            </a:extLst>
+          </a:blip>
+          <a:stretch>
+            <a:fillRect/>
+          </a:stretch>
+        </p:blipFill>
+        <p:spPr>
+          <a:xfrm>
+            <a:off x="1498414" y="1637003"/>
+            <a:ext cx="10058400" cy="4214095"/>
+          </a:xfrm>
+          <a:prstGeom prst="rect">
+            <a:avLst/>
+          </a:prstGeom>
+        </p:spPr>
+      </p:pic>
+      <p:sp>
+        <p:nvSpPr>
+          <p:cNvPr id="5" name="직사각형 4">
+            <a:hlinkClick r:id="rId3"/>
+          </p:cNvPr>
+          <p:cNvSpPr/>
+          <p:nvPr/>
+        </p:nvSpPr>
+        <p:spPr>
+          <a:xfrm>
+            <a:off x="329184" y="365760"/>
+            <a:ext cx="1572768" cy="1414272"/>
+          </a:xfrm>
+          <a:prstGeom prst="rect">
+            <a:avLst/>
+          </a:prstGeom>
+        </p:spPr>
+        <p:style>
+          <a:lnRef idx="2">
+            <a:schemeClr val="accent1">
+              <a:shade val="50000"/>
+            </a:schemeClr>
+          </a:lnRef>
+          <a:fillRef idx="1">
+            <a:schemeClr val="accent1"/>
+          </a:fillRef>
+          <a:effectRef idx="0">
+            <a:schemeClr val="accent1"/>
+          </a:effectRef>
+          <a:fontRef idx="minor">
+            <a:schemeClr val="lt1"/>
+          </a:fontRef>
+        </p:style>
+        <p:txBody>
+          <a:bodyPr rtlCol="0" anchor="ctr"/>
+          <a:lstStyle/>
+          <a:p>
+            <a:pPr algn="ctr"/>
+            <a:endParaRPr lang="ko-KR" altLang="en-US"/>
+          </a:p>
+        </p:txBody>
+      </p:sp>
+    </p:spTree>
+    <p:extLst>
+      <p:ext uri="{BB962C8B-B14F-4D97-AF65-F5344CB8AC3E}">
+        <p14:creationId xmlns:p14="http://schemas.microsoft.com/office/powerpoint/2010/main" val="1487615209"/>
+      </p:ext>
+    </p:extLst>
+  </p:cSld>
+  <p:clrMapOvr>
+    <a:masterClrMapping/>
+  </p:clrMapOvr>
+</p:sld>
+</file>
+
+<file path=ppt/slides/slide4.xml><?xml version="1.0" encoding="utf-8"?>
+<p:sld xmlns:a="http://schemas.openxmlformats.org/drawingml/2006/main" xmlns:r="http://schemas.openxmlformats.org/officeDocument/2006/relationships" xmlns:p="http://schemas.openxmlformats.org/presentationml/2006/main">
+  <p:cSld>
+    <p:spTree>
+      <p:nvGrpSpPr>
+        <p:cNvPr id="1" name=""/>
+        <p:cNvGrpSpPr/>
+        <p:nvPr/>
+      </p:nvGrpSpPr>
+      <p:grpSpPr>
+        <a:xfrm>
+          <a:off x="0" y="0"/>
+          <a:ext cx="0" cy="0"/>
+          <a:chOff x="0" y="0"/>
+          <a:chExt cx="0" cy="0"/>
+        </a:xfrm>
+      </p:grpSpPr>
+      <p:pic>
+        <p:nvPicPr>
+          <p:cNvPr id="4" name="그림 3"/>
+          <p:cNvPicPr>
+            <a:picLocks noChangeAspect="1"/>
+          </p:cNvPicPr>
+          <p:nvPr/>
+        </p:nvPicPr>
+        <p:blipFill>
+          <a:blip r:embed="rId2">
+            <a:extLst>
+              <a:ext uri="{28A0092B-C50C-407E-A947-70E740481C1C}">
+                <a14:useLocalDpi xmlns:a14="http://schemas.microsoft.com/office/drawing/2010/main" val="0"/>
+              </a:ext>
+            </a:extLst>
+          </a:blip>
+          <a:stretch>
+            <a:fillRect/>
+          </a:stretch>
+        </p:blipFill>
+        <p:spPr>
+          <a:xfrm>
+            <a:off x="1921502" y="1205695"/>
+            <a:ext cx="9202435" cy="5153745"/>
+          </a:xfrm>
+          <a:prstGeom prst="rect">
+            <a:avLst/>
+          </a:prstGeom>
+        </p:spPr>
+      </p:pic>
+      <p:sp>
+        <p:nvSpPr>
+          <p:cNvPr id="5" name="직사각형 4">
+            <a:hlinkClick r:id="rId3"/>
+          </p:cNvPr>
+          <p:cNvSpPr/>
+          <p:nvPr/>
+        </p:nvSpPr>
+        <p:spPr>
+          <a:xfrm>
+            <a:off x="414528" y="243840"/>
+            <a:ext cx="1506974" cy="1146048"/>
+          </a:xfrm>
+          <a:prstGeom prst="rect">
+            <a:avLst/>
+          </a:prstGeom>
+        </p:spPr>
+        <p:style>
+          <a:lnRef idx="2">
+            <a:schemeClr val="accent1">
+              <a:shade val="50000"/>
+            </a:schemeClr>
+          </a:lnRef>
+          <a:fillRef idx="1">
+            <a:schemeClr val="accent1"/>
+          </a:fillRef>
+          <a:effectRef idx="0">
+            <a:schemeClr val="accent1"/>
+          </a:effectRef>
+          <a:fontRef idx="minor">
+            <a:schemeClr val="lt1"/>
+          </a:fontRef>
+        </p:style>
+        <p:txBody>
+          <a:bodyPr rtlCol="0" anchor="ctr"/>
+          <a:lstStyle/>
+          <a:p>
+            <a:pPr algn="ctr"/>
+            <a:endParaRPr lang="ko-KR" altLang="en-US"/>
+          </a:p>
+        </p:txBody>
+      </p:sp>
+    </p:spTree>
+    <p:extLst>
+      <p:ext uri="{BB962C8B-B14F-4D97-AF65-F5344CB8AC3E}">
+        <p14:creationId xmlns:p14="http://schemas.microsoft.com/office/powerpoint/2010/main" val="3359547715"/>
+      </p:ext>
+    </p:extLst>
+  </p:cSld>
+  <p:clrMapOvr>
+    <a:masterClrMapping/>
+  </p:clrMapOvr>
+</p:sld>
+</file>
+
+<file path=ppt/slides/slide5.xml><?xml version="1.0" encoding="utf-8"?>
+<p:sld xmlns:a="http://schemas.openxmlformats.org/drawingml/2006/main" xmlns:r="http://schemas.openxmlformats.org/officeDocument/2006/relationships" xmlns:p="http://schemas.openxmlformats.org/presentationml/2006/main">
+  <p:cSld>
+    <p:spTree>
+      <p:nvGrpSpPr>
+        <p:cNvPr id="1" name=""/>
+        <p:cNvGrpSpPr/>
+        <p:nvPr/>
+      </p:nvGrpSpPr>
+      <p:grpSpPr>
+        <a:xfrm>
+          <a:off x="0" y="0"/>
+          <a:ext cx="0" cy="0"/>
+          <a:chOff x="0" y="0"/>
+          <a:chExt cx="0" cy="0"/>
+        </a:xfrm>
+      </p:grpSpPr>
+      <p:pic>
+        <p:nvPicPr>
+          <p:cNvPr id="4" name="그림 3"/>
+          <p:cNvPicPr>
+            <a:picLocks noChangeAspect="1"/>
+          </p:cNvPicPr>
+          <p:nvPr/>
+        </p:nvPicPr>
+        <p:blipFill>
+          <a:blip r:embed="rId2">
+            <a:extLst>
+              <a:ext uri="{28A0092B-C50C-407E-A947-70E740481C1C}">
+                <a14:useLocalDpi xmlns:a14="http://schemas.microsoft.com/office/drawing/2010/main" val="0"/>
+              </a:ext>
+            </a:extLst>
+          </a:blip>
+          <a:stretch>
+            <a:fillRect/>
+          </a:stretch>
+        </p:blipFill>
+        <p:spPr>
+          <a:xfrm>
+            <a:off x="2870599" y="779894"/>
+            <a:ext cx="8840434" cy="5639587"/>
+          </a:xfrm>
+          <a:prstGeom prst="rect">
+            <a:avLst/>
+          </a:prstGeom>
+        </p:spPr>
+      </p:pic>
+      <p:sp>
+        <p:nvSpPr>
+          <p:cNvPr id="5" name="직사각형 4">
+            <a:hlinkClick r:id="rId3"/>
+          </p:cNvPr>
+          <p:cNvSpPr/>
+          <p:nvPr/>
+        </p:nvSpPr>
+        <p:spPr>
+          <a:xfrm>
+            <a:off x="719328" y="926592"/>
+            <a:ext cx="1658112" cy="1194816"/>
+          </a:xfrm>
+          <a:prstGeom prst="rect">
+            <a:avLst/>
+          </a:prstGeom>
+        </p:spPr>
+        <p:style>
+          <a:lnRef idx="2">
+            <a:schemeClr val="accent1">
+              <a:shade val="50000"/>
+            </a:schemeClr>
+          </a:lnRef>
+          <a:fillRef idx="1">
+            <a:schemeClr val="accent1"/>
+          </a:fillRef>
+          <a:effectRef idx="0">
+            <a:schemeClr val="accent1"/>
+          </a:effectRef>
+          <a:fontRef idx="minor">
+            <a:schemeClr val="lt1"/>
+          </a:fontRef>
+        </p:style>
+        <p:txBody>
+          <a:bodyPr rtlCol="0" anchor="ctr"/>
+          <a:lstStyle/>
+          <a:p>
+            <a:pPr algn="ctr"/>
+            <a:endParaRPr lang="ko-KR" altLang="en-US"/>
+          </a:p>
+        </p:txBody>
+      </p:sp>
+    </p:spTree>
+    <p:extLst>
+      <p:ext uri="{BB962C8B-B14F-4D97-AF65-F5344CB8AC3E}">
+        <p14:creationId xmlns:p14="http://schemas.microsoft.com/office/powerpoint/2010/main" val="2005191395"/>
       </p:ext>
     </p:extLst>
   </p:cSld>
@@ -4366,7 +4675,7 @@
     </a:clrScheme>
     <a:fontScheme name="Office">
       <a:majorFont>
-        <a:latin typeface="맑은 고딕" panose="020F0302020204030204"/>
+        <a:latin typeface="맑은 고딕"/>
         <a:ea typeface=""/>
         <a:cs typeface=""/>
         <a:font script="Jpan" typeface="游ゴシック Light"/>
@@ -4418,7 +4727,7 @@
         <a:font script="Tfng" typeface="Ebrima"/>
       </a:majorFont>
       <a:minorFont>
-        <a:latin typeface="맑은 고딕" panose="020F0502020204030204"/>
+        <a:latin typeface="맑은 고딕"/>
         <a:ea typeface=""/>
         <a:cs typeface=""/>
         <a:font script="Jpan" typeface="游ゴシック"/>
@@ -4612,7 +4921,7 @@
   <a:extraClrSchemeLst/>
   <a:extLst>
     <a:ext uri="{05A4C25C-085E-4340-85A3-A5531E510DB2}">
-      <thm15:themeFamily xmlns:thm15="http://schemas.microsoft.com/office/thememl/2012/main" name="Office Theme" id="{62F939B6-93AF-4DB8-9C6B-D6C7DFDC589F}" vid="{4A3C46E8-61CC-4603-A589-7422A47A8E4A}"/>
+      <thm15:themeFamily xmlns:thm15="http://schemas.microsoft.com/office/thememl/2012/main" xmlns="" name="Office Theme" id="{62F939B6-93AF-4DB8-9C6B-D6C7DFDC589F}" vid="{4A3C46E8-61CC-4603-A589-7422A47A8E4A}"/>
     </a:ext>
   </a:extLst>
 </a:theme>
